--- a/Figures/Figure creation.pptx
+++ b/Figures/Figure creation.pptx
@@ -157,7 +157,7 @@
           </a:lstStyle>
           <a:p>
             <a:r>
-              <a:rPr lang="en-US" smtClean="0"/>
+              <a:rPr lang="en-US"/>
               <a:t>Click to edit Master title style</a:t>
             </a:r>
             <a:endParaRPr lang="en-AU"/>
@@ -222,7 +222,7 @@
           </a:lstStyle>
           <a:p>
             <a:r>
-              <a:rPr lang="en-US" smtClean="0"/>
+              <a:rPr lang="en-US"/>
               <a:t>Click to edit Master subtitle style</a:t>
             </a:r>
             <a:endParaRPr lang="en-AU"/>
@@ -246,7 +246,7 @@
           <a:p>
             <a:fld id="{C7A96FC3-A273-4E8E-BA33-AC2C939F97F8}" type="datetimeFigureOut">
               <a:rPr lang="en-AU" smtClean="0"/>
-              <a:t>9/04/2020</a:t>
+              <a:t>23/12/2020</a:t>
             </a:fld>
             <a:endParaRPr lang="en-AU"/>
           </a:p>
@@ -340,7 +340,7 @@
           <a:lstStyle/>
           <a:p>
             <a:r>
-              <a:rPr lang="en-US" smtClean="0"/>
+              <a:rPr lang="en-US"/>
               <a:t>Click to edit Master title style</a:t>
             </a:r>
             <a:endParaRPr lang="en-AU"/>
@@ -364,35 +364,35 @@
           <a:p>
             <a:pPr lvl="0"/>
             <a:r>
-              <a:rPr lang="en-US" smtClean="0"/>
+              <a:rPr lang="en-US"/>
               <a:t>Edit Master text styles</a:t>
             </a:r>
           </a:p>
           <a:p>
             <a:pPr lvl="1"/>
             <a:r>
-              <a:rPr lang="en-US" smtClean="0"/>
+              <a:rPr lang="en-US"/>
               <a:t>Second level</a:t>
             </a:r>
           </a:p>
           <a:p>
             <a:pPr lvl="2"/>
             <a:r>
-              <a:rPr lang="en-US" smtClean="0"/>
+              <a:rPr lang="en-US"/>
               <a:t>Third level</a:t>
             </a:r>
           </a:p>
           <a:p>
             <a:pPr lvl="3"/>
             <a:r>
-              <a:rPr lang="en-US" smtClean="0"/>
+              <a:rPr lang="en-US"/>
               <a:t>Fourth level</a:t>
             </a:r>
           </a:p>
           <a:p>
             <a:pPr lvl="4"/>
             <a:r>
-              <a:rPr lang="en-US" smtClean="0"/>
+              <a:rPr lang="en-US"/>
               <a:t>Fifth level</a:t>
             </a:r>
             <a:endParaRPr lang="en-AU"/>
@@ -416,7 +416,7 @@
           <a:p>
             <a:fld id="{C7A96FC3-A273-4E8E-BA33-AC2C939F97F8}" type="datetimeFigureOut">
               <a:rPr lang="en-AU" smtClean="0"/>
-              <a:t>9/04/2020</a:t>
+              <a:t>23/12/2020</a:t>
             </a:fld>
             <a:endParaRPr lang="en-AU"/>
           </a:p>
@@ -515,7 +515,7 @@
           <a:lstStyle/>
           <a:p>
             <a:r>
-              <a:rPr lang="en-US" smtClean="0"/>
+              <a:rPr lang="en-US"/>
               <a:t>Click to edit Master title style</a:t>
             </a:r>
             <a:endParaRPr lang="en-AU"/>
@@ -544,35 +544,35 @@
           <a:p>
             <a:pPr lvl="0"/>
             <a:r>
-              <a:rPr lang="en-US" smtClean="0"/>
+              <a:rPr lang="en-US"/>
               <a:t>Edit Master text styles</a:t>
             </a:r>
           </a:p>
           <a:p>
             <a:pPr lvl="1"/>
             <a:r>
-              <a:rPr lang="en-US" smtClean="0"/>
+              <a:rPr lang="en-US"/>
               <a:t>Second level</a:t>
             </a:r>
           </a:p>
           <a:p>
             <a:pPr lvl="2"/>
             <a:r>
-              <a:rPr lang="en-US" smtClean="0"/>
+              <a:rPr lang="en-US"/>
               <a:t>Third level</a:t>
             </a:r>
           </a:p>
           <a:p>
             <a:pPr lvl="3"/>
             <a:r>
-              <a:rPr lang="en-US" smtClean="0"/>
+              <a:rPr lang="en-US"/>
               <a:t>Fourth level</a:t>
             </a:r>
           </a:p>
           <a:p>
             <a:pPr lvl="4"/>
             <a:r>
-              <a:rPr lang="en-US" smtClean="0"/>
+              <a:rPr lang="en-US"/>
               <a:t>Fifth level</a:t>
             </a:r>
             <a:endParaRPr lang="en-AU"/>
@@ -596,7 +596,7 @@
           <a:p>
             <a:fld id="{C7A96FC3-A273-4E8E-BA33-AC2C939F97F8}" type="datetimeFigureOut">
               <a:rPr lang="en-AU" smtClean="0"/>
-              <a:t>9/04/2020</a:t>
+              <a:t>23/12/2020</a:t>
             </a:fld>
             <a:endParaRPr lang="en-AU"/>
           </a:p>
@@ -690,7 +690,7 @@
           <a:lstStyle/>
           <a:p>
             <a:r>
-              <a:rPr lang="en-US" smtClean="0"/>
+              <a:rPr lang="en-US"/>
               <a:t>Click to edit Master title style</a:t>
             </a:r>
             <a:endParaRPr lang="en-AU"/>
@@ -714,35 +714,35 @@
           <a:p>
             <a:pPr lvl="0"/>
             <a:r>
-              <a:rPr lang="en-US" smtClean="0"/>
+              <a:rPr lang="en-US"/>
               <a:t>Edit Master text styles</a:t>
             </a:r>
           </a:p>
           <a:p>
             <a:pPr lvl="1"/>
             <a:r>
-              <a:rPr lang="en-US" smtClean="0"/>
+              <a:rPr lang="en-US"/>
               <a:t>Second level</a:t>
             </a:r>
           </a:p>
           <a:p>
             <a:pPr lvl="2"/>
             <a:r>
-              <a:rPr lang="en-US" smtClean="0"/>
+              <a:rPr lang="en-US"/>
               <a:t>Third level</a:t>
             </a:r>
           </a:p>
           <a:p>
             <a:pPr lvl="3"/>
             <a:r>
-              <a:rPr lang="en-US" smtClean="0"/>
+              <a:rPr lang="en-US"/>
               <a:t>Fourth level</a:t>
             </a:r>
           </a:p>
           <a:p>
             <a:pPr lvl="4"/>
             <a:r>
-              <a:rPr lang="en-US" smtClean="0"/>
+              <a:rPr lang="en-US"/>
               <a:t>Fifth level</a:t>
             </a:r>
             <a:endParaRPr lang="en-AU"/>
@@ -766,7 +766,7 @@
           <a:p>
             <a:fld id="{C7A96FC3-A273-4E8E-BA33-AC2C939F97F8}" type="datetimeFigureOut">
               <a:rPr lang="en-AU" smtClean="0"/>
-              <a:t>9/04/2020</a:t>
+              <a:t>23/12/2020</a:t>
             </a:fld>
             <a:endParaRPr lang="en-AU"/>
           </a:p>
@@ -869,7 +869,7 @@
           </a:lstStyle>
           <a:p>
             <a:r>
-              <a:rPr lang="en-US" smtClean="0"/>
+              <a:rPr lang="en-US"/>
               <a:t>Click to edit Master title style</a:t>
             </a:r>
             <a:endParaRPr lang="en-AU"/>
@@ -989,7 +989,7 @@
           <a:p>
             <a:pPr lvl="0"/>
             <a:r>
-              <a:rPr lang="en-US" smtClean="0"/>
+              <a:rPr lang="en-US"/>
               <a:t>Edit Master text styles</a:t>
             </a:r>
           </a:p>
@@ -1012,7 +1012,7 @@
           <a:p>
             <a:fld id="{C7A96FC3-A273-4E8E-BA33-AC2C939F97F8}" type="datetimeFigureOut">
               <a:rPr lang="en-AU" smtClean="0"/>
-              <a:t>9/04/2020</a:t>
+              <a:t>23/12/2020</a:t>
             </a:fld>
             <a:endParaRPr lang="en-AU"/>
           </a:p>
@@ -1106,7 +1106,7 @@
           <a:lstStyle/>
           <a:p>
             <a:r>
-              <a:rPr lang="en-US" smtClean="0"/>
+              <a:rPr lang="en-US"/>
               <a:t>Click to edit Master title style</a:t>
             </a:r>
             <a:endParaRPr lang="en-AU"/>
@@ -1135,35 +1135,35 @@
           <a:p>
             <a:pPr lvl="0"/>
             <a:r>
-              <a:rPr lang="en-US" smtClean="0"/>
+              <a:rPr lang="en-US"/>
               <a:t>Edit Master text styles</a:t>
             </a:r>
           </a:p>
           <a:p>
             <a:pPr lvl="1"/>
             <a:r>
-              <a:rPr lang="en-US" smtClean="0"/>
+              <a:rPr lang="en-US"/>
               <a:t>Second level</a:t>
             </a:r>
           </a:p>
           <a:p>
             <a:pPr lvl="2"/>
             <a:r>
-              <a:rPr lang="en-US" smtClean="0"/>
+              <a:rPr lang="en-US"/>
               <a:t>Third level</a:t>
             </a:r>
           </a:p>
           <a:p>
             <a:pPr lvl="3"/>
             <a:r>
-              <a:rPr lang="en-US" smtClean="0"/>
+              <a:rPr lang="en-US"/>
               <a:t>Fourth level</a:t>
             </a:r>
           </a:p>
           <a:p>
             <a:pPr lvl="4"/>
             <a:r>
-              <a:rPr lang="en-US" smtClean="0"/>
+              <a:rPr lang="en-US"/>
               <a:t>Fifth level</a:t>
             </a:r>
             <a:endParaRPr lang="en-AU"/>
@@ -1192,35 +1192,35 @@
           <a:p>
             <a:pPr lvl="0"/>
             <a:r>
-              <a:rPr lang="en-US" smtClean="0"/>
+              <a:rPr lang="en-US"/>
               <a:t>Edit Master text styles</a:t>
             </a:r>
           </a:p>
           <a:p>
             <a:pPr lvl="1"/>
             <a:r>
-              <a:rPr lang="en-US" smtClean="0"/>
+              <a:rPr lang="en-US"/>
               <a:t>Second level</a:t>
             </a:r>
           </a:p>
           <a:p>
             <a:pPr lvl="2"/>
             <a:r>
-              <a:rPr lang="en-US" smtClean="0"/>
+              <a:rPr lang="en-US"/>
               <a:t>Third level</a:t>
             </a:r>
           </a:p>
           <a:p>
             <a:pPr lvl="3"/>
             <a:r>
-              <a:rPr lang="en-US" smtClean="0"/>
+              <a:rPr lang="en-US"/>
               <a:t>Fourth level</a:t>
             </a:r>
           </a:p>
           <a:p>
             <a:pPr lvl="4"/>
             <a:r>
-              <a:rPr lang="en-US" smtClean="0"/>
+              <a:rPr lang="en-US"/>
               <a:t>Fifth level</a:t>
             </a:r>
             <a:endParaRPr lang="en-AU"/>
@@ -1244,7 +1244,7 @@
           <a:p>
             <a:fld id="{C7A96FC3-A273-4E8E-BA33-AC2C939F97F8}" type="datetimeFigureOut">
               <a:rPr lang="en-AU" smtClean="0"/>
-              <a:t>9/04/2020</a:t>
+              <a:t>23/12/2020</a:t>
             </a:fld>
             <a:endParaRPr lang="en-AU"/>
           </a:p>
@@ -1343,7 +1343,7 @@
           <a:lstStyle/>
           <a:p>
             <a:r>
-              <a:rPr lang="en-US" smtClean="0"/>
+              <a:rPr lang="en-US"/>
               <a:t>Click to edit Master title style</a:t>
             </a:r>
             <a:endParaRPr lang="en-AU"/>
@@ -1409,7 +1409,7 @@
           <a:p>
             <a:pPr lvl="0"/>
             <a:r>
-              <a:rPr lang="en-US" smtClean="0"/>
+              <a:rPr lang="en-US"/>
               <a:t>Edit Master text styles</a:t>
             </a:r>
           </a:p>
@@ -1437,35 +1437,35 @@
           <a:p>
             <a:pPr lvl="0"/>
             <a:r>
-              <a:rPr lang="en-US" smtClean="0"/>
+              <a:rPr lang="en-US"/>
               <a:t>Edit Master text styles</a:t>
             </a:r>
           </a:p>
           <a:p>
             <a:pPr lvl="1"/>
             <a:r>
-              <a:rPr lang="en-US" smtClean="0"/>
+              <a:rPr lang="en-US"/>
               <a:t>Second level</a:t>
             </a:r>
           </a:p>
           <a:p>
             <a:pPr lvl="2"/>
             <a:r>
-              <a:rPr lang="en-US" smtClean="0"/>
+              <a:rPr lang="en-US"/>
               <a:t>Third level</a:t>
             </a:r>
           </a:p>
           <a:p>
             <a:pPr lvl="3"/>
             <a:r>
-              <a:rPr lang="en-US" smtClean="0"/>
+              <a:rPr lang="en-US"/>
               <a:t>Fourth level</a:t>
             </a:r>
           </a:p>
           <a:p>
             <a:pPr lvl="4"/>
             <a:r>
-              <a:rPr lang="en-US" smtClean="0"/>
+              <a:rPr lang="en-US"/>
               <a:t>Fifth level</a:t>
             </a:r>
             <a:endParaRPr lang="en-AU"/>
@@ -1531,7 +1531,7 @@
           <a:p>
             <a:pPr lvl="0"/>
             <a:r>
-              <a:rPr lang="en-US" smtClean="0"/>
+              <a:rPr lang="en-US"/>
               <a:t>Edit Master text styles</a:t>
             </a:r>
           </a:p>
@@ -1559,35 +1559,35 @@
           <a:p>
             <a:pPr lvl="0"/>
             <a:r>
-              <a:rPr lang="en-US" smtClean="0"/>
+              <a:rPr lang="en-US"/>
               <a:t>Edit Master text styles</a:t>
             </a:r>
           </a:p>
           <a:p>
             <a:pPr lvl="1"/>
             <a:r>
-              <a:rPr lang="en-US" smtClean="0"/>
+              <a:rPr lang="en-US"/>
               <a:t>Second level</a:t>
             </a:r>
           </a:p>
           <a:p>
             <a:pPr lvl="2"/>
             <a:r>
-              <a:rPr lang="en-US" smtClean="0"/>
+              <a:rPr lang="en-US"/>
               <a:t>Third level</a:t>
             </a:r>
           </a:p>
           <a:p>
             <a:pPr lvl="3"/>
             <a:r>
-              <a:rPr lang="en-US" smtClean="0"/>
+              <a:rPr lang="en-US"/>
               <a:t>Fourth level</a:t>
             </a:r>
           </a:p>
           <a:p>
             <a:pPr lvl="4"/>
             <a:r>
-              <a:rPr lang="en-US" smtClean="0"/>
+              <a:rPr lang="en-US"/>
               <a:t>Fifth level</a:t>
             </a:r>
             <a:endParaRPr lang="en-AU"/>
@@ -1611,7 +1611,7 @@
           <a:p>
             <a:fld id="{C7A96FC3-A273-4E8E-BA33-AC2C939F97F8}" type="datetimeFigureOut">
               <a:rPr lang="en-AU" smtClean="0"/>
-              <a:t>9/04/2020</a:t>
+              <a:t>23/12/2020</a:t>
             </a:fld>
             <a:endParaRPr lang="en-AU"/>
           </a:p>
@@ -1705,7 +1705,7 @@
           <a:lstStyle/>
           <a:p>
             <a:r>
-              <a:rPr lang="en-US" smtClean="0"/>
+              <a:rPr lang="en-US"/>
               <a:t>Click to edit Master title style</a:t>
             </a:r>
             <a:endParaRPr lang="en-AU"/>
@@ -1729,7 +1729,7 @@
           <a:p>
             <a:fld id="{C7A96FC3-A273-4E8E-BA33-AC2C939F97F8}" type="datetimeFigureOut">
               <a:rPr lang="en-AU" smtClean="0"/>
-              <a:t>9/04/2020</a:t>
+              <a:t>23/12/2020</a:t>
             </a:fld>
             <a:endParaRPr lang="en-AU"/>
           </a:p>
@@ -1824,7 +1824,7 @@
           <a:p>
             <a:fld id="{C7A96FC3-A273-4E8E-BA33-AC2C939F97F8}" type="datetimeFigureOut">
               <a:rPr lang="en-AU" smtClean="0"/>
-              <a:t>9/04/2020</a:t>
+              <a:t>23/12/2020</a:t>
             </a:fld>
             <a:endParaRPr lang="en-AU"/>
           </a:p>
@@ -1927,7 +1927,7 @@
           </a:lstStyle>
           <a:p>
             <a:r>
-              <a:rPr lang="en-US" smtClean="0"/>
+              <a:rPr lang="en-US"/>
               <a:t>Click to edit Master title style</a:t>
             </a:r>
             <a:endParaRPr lang="en-AU"/>
@@ -1984,35 +1984,35 @@
           <a:p>
             <a:pPr lvl="0"/>
             <a:r>
-              <a:rPr lang="en-US" smtClean="0"/>
+              <a:rPr lang="en-US"/>
               <a:t>Edit Master text styles</a:t>
             </a:r>
           </a:p>
           <a:p>
             <a:pPr lvl="1"/>
             <a:r>
-              <a:rPr lang="en-US" smtClean="0"/>
+              <a:rPr lang="en-US"/>
               <a:t>Second level</a:t>
             </a:r>
           </a:p>
           <a:p>
             <a:pPr lvl="2"/>
             <a:r>
-              <a:rPr lang="en-US" smtClean="0"/>
+              <a:rPr lang="en-US"/>
               <a:t>Third level</a:t>
             </a:r>
           </a:p>
           <a:p>
             <a:pPr lvl="3"/>
             <a:r>
-              <a:rPr lang="en-US" smtClean="0"/>
+              <a:rPr lang="en-US"/>
               <a:t>Fourth level</a:t>
             </a:r>
           </a:p>
           <a:p>
             <a:pPr lvl="4"/>
             <a:r>
-              <a:rPr lang="en-US" smtClean="0"/>
+              <a:rPr lang="en-US"/>
               <a:t>Fifth level</a:t>
             </a:r>
             <a:endParaRPr lang="en-AU"/>
@@ -2078,7 +2078,7 @@
           <a:p>
             <a:pPr lvl="0"/>
             <a:r>
-              <a:rPr lang="en-US" smtClean="0"/>
+              <a:rPr lang="en-US"/>
               <a:t>Edit Master text styles</a:t>
             </a:r>
           </a:p>
@@ -2101,7 +2101,7 @@
           <a:p>
             <a:fld id="{C7A96FC3-A273-4E8E-BA33-AC2C939F97F8}" type="datetimeFigureOut">
               <a:rPr lang="en-AU" smtClean="0"/>
-              <a:t>9/04/2020</a:t>
+              <a:t>23/12/2020</a:t>
             </a:fld>
             <a:endParaRPr lang="en-AU"/>
           </a:p>
@@ -2204,7 +2204,7 @@
           </a:lstStyle>
           <a:p>
             <a:r>
-              <a:rPr lang="en-US" smtClean="0"/>
+              <a:rPr lang="en-US"/>
               <a:t>Click to edit Master title style</a:t>
             </a:r>
             <a:endParaRPr lang="en-AU"/>
@@ -2331,7 +2331,7 @@
           <a:p>
             <a:pPr lvl="0"/>
             <a:r>
-              <a:rPr lang="en-US" smtClean="0"/>
+              <a:rPr lang="en-US"/>
               <a:t>Edit Master text styles</a:t>
             </a:r>
           </a:p>
@@ -2354,7 +2354,7 @@
           <a:p>
             <a:fld id="{C7A96FC3-A273-4E8E-BA33-AC2C939F97F8}" type="datetimeFigureOut">
               <a:rPr lang="en-AU" smtClean="0"/>
-              <a:t>9/04/2020</a:t>
+              <a:t>23/12/2020</a:t>
             </a:fld>
             <a:endParaRPr lang="en-AU"/>
           </a:p>
@@ -2463,7 +2463,7 @@
           <a:lstStyle/>
           <a:p>
             <a:r>
-              <a:rPr lang="en-US" smtClean="0"/>
+              <a:rPr lang="en-US"/>
               <a:t>Click to edit Master title style</a:t>
             </a:r>
             <a:endParaRPr lang="en-AU"/>
@@ -2497,35 +2497,35 @@
           <a:p>
             <a:pPr lvl="0"/>
             <a:r>
-              <a:rPr lang="en-US" smtClean="0"/>
+              <a:rPr lang="en-US"/>
               <a:t>Edit Master text styles</a:t>
             </a:r>
           </a:p>
           <a:p>
             <a:pPr lvl="1"/>
             <a:r>
-              <a:rPr lang="en-US" smtClean="0"/>
+              <a:rPr lang="en-US"/>
               <a:t>Second level</a:t>
             </a:r>
           </a:p>
           <a:p>
             <a:pPr lvl="2"/>
             <a:r>
-              <a:rPr lang="en-US" smtClean="0"/>
+              <a:rPr lang="en-US"/>
               <a:t>Third level</a:t>
             </a:r>
           </a:p>
           <a:p>
             <a:pPr lvl="3"/>
             <a:r>
-              <a:rPr lang="en-US" smtClean="0"/>
+              <a:rPr lang="en-US"/>
               <a:t>Fourth level</a:t>
             </a:r>
           </a:p>
           <a:p>
             <a:pPr lvl="4"/>
             <a:r>
-              <a:rPr lang="en-US" smtClean="0"/>
+              <a:rPr lang="en-US"/>
               <a:t>Fifth level</a:t>
             </a:r>
             <a:endParaRPr lang="en-AU"/>
@@ -2567,7 +2567,7 @@
           <a:p>
             <a:fld id="{C7A96FC3-A273-4E8E-BA33-AC2C939F97F8}" type="datetimeFigureOut">
               <a:rPr lang="en-AU" smtClean="0"/>
-              <a:t>9/04/2020</a:t>
+              <a:t>23/12/2020</a:t>
             </a:fld>
             <a:endParaRPr lang="en-AU"/>
           </a:p>
@@ -3072,7 +3072,7 @@
           <a:lstStyle/>
           <a:p>
             <a:r>
-              <a:rPr lang="en-AU" dirty="0" smtClean="0"/>
+              <a:rPr lang="en-AU" dirty="0"/>
               <a:t>a)</a:t>
             </a:r>
           </a:p>
@@ -3227,11 +3227,7 @@
           <a:p>
             <a:r>
               <a:rPr lang="en-AU" dirty="0"/>
-              <a:t>b</a:t>
-            </a:r>
-            <a:r>
-              <a:rPr lang="en-AU" dirty="0" smtClean="0"/>
-              <a:t>)</a:t>
+              <a:t>b)</a:t>
             </a:r>
           </a:p>
         </p:txBody>
@@ -3284,21 +3280,8 @@
                   <a:schemeClr val="tx1"/>
                 </a:solidFill>
               </a:rPr>
-              <a:t>Atlanta, GA </a:t>
-            </a:r>
-            <a:r>
-              <a:rPr lang="en-AU" sz="1100" dirty="0" smtClean="0">
-                <a:solidFill>
-                  <a:schemeClr val="tx1"/>
-                </a:solidFill>
-              </a:rPr>
-              <a:t>(291.0; 15.90; 8.98)</a:t>
-            </a:r>
-            <a:endParaRPr lang="en-AU" sz="1100" dirty="0">
-              <a:solidFill>
-                <a:schemeClr val="tx1"/>
-              </a:solidFill>
-            </a:endParaRPr>
+              <a:t>Atlanta, GA (291.0; 15.90; 8.98)</a:t>
+            </a:r>
           </a:p>
         </p:txBody>
       </p:sp>
@@ -3345,18 +3328,13 @@
           <a:p>
             <a:pPr algn="ctr"/>
             <a:r>
-              <a:rPr lang="en-AU" sz="1100" dirty="0" smtClean="0">
+              <a:rPr lang="en-AU" sz="1100" dirty="0">
                 <a:solidFill>
                   <a:schemeClr val="tx1"/>
                 </a:solidFill>
               </a:rPr>
               <a:t>Shreveport, LA (242.0; 22.70; 15.45)</a:t>
             </a:r>
-            <a:endParaRPr lang="en-AU" sz="1100" dirty="0">
-              <a:solidFill>
-                <a:schemeClr val="tx1"/>
-              </a:solidFill>
-            </a:endParaRPr>
           </a:p>
         </p:txBody>
       </p:sp>
@@ -3456,18 +3434,13 @@
           <a:p>
             <a:pPr algn="ctr"/>
             <a:r>
-              <a:rPr lang="en-AU" dirty="0" smtClean="0">
+              <a:rPr lang="en-AU" dirty="0">
                 <a:solidFill>
                   <a:schemeClr val="tx1"/>
                 </a:solidFill>
               </a:rPr>
               <a:t>1,581 cities included in the analysis</a:t>
             </a:r>
-            <a:endParaRPr lang="en-AU" dirty="0">
-              <a:solidFill>
-                <a:schemeClr val="tx1"/>
-              </a:solidFill>
-            </a:endParaRPr>
           </a:p>
         </p:txBody>
       </p:sp>
@@ -3601,7 +3574,7 @@
           <a:lstStyle/>
           <a:p>
             <a:r>
-              <a:rPr lang="en-AU" dirty="0" smtClean="0"/>
+              <a:rPr lang="en-AU" dirty="0"/>
               <a:t>a)</a:t>
             </a:r>
           </a:p>
@@ -3756,11 +3729,7 @@
           <a:p>
             <a:r>
               <a:rPr lang="en-AU" dirty="0"/>
-              <a:t>b</a:t>
-            </a:r>
-            <a:r>
-              <a:rPr lang="en-AU" dirty="0" smtClean="0"/>
-              <a:t>)</a:t>
+              <a:t>b)</a:t>
             </a:r>
           </a:p>
         </p:txBody>
@@ -3808,18 +3777,13 @@
           <a:p>
             <a:pPr algn="ctr"/>
             <a:r>
-              <a:rPr lang="en-AU" sz="1400" dirty="0" smtClean="0">
+              <a:rPr lang="en-AU" sz="1400" dirty="0">
                 <a:solidFill>
                   <a:schemeClr val="tx1"/>
                 </a:solidFill>
               </a:rPr>
               <a:t>Atlanta, GA </a:t>
             </a:r>
-            <a:endParaRPr lang="en-AU" sz="1400" dirty="0">
-              <a:solidFill>
-                <a:schemeClr val="tx1"/>
-              </a:solidFill>
-            </a:endParaRPr>
           </a:p>
         </p:txBody>
       </p:sp>
@@ -3866,18 +3830,13 @@
           <a:p>
             <a:pPr algn="ctr"/>
             <a:r>
-              <a:rPr lang="en-AU" sz="1400" dirty="0" smtClean="0">
+              <a:rPr lang="en-AU" sz="1400" dirty="0">
                 <a:solidFill>
                   <a:schemeClr val="tx1"/>
                 </a:solidFill>
               </a:rPr>
               <a:t>Shreveport, LA</a:t>
             </a:r>
-            <a:endParaRPr lang="en-AU" sz="1400" dirty="0">
-              <a:solidFill>
-                <a:schemeClr val="tx1"/>
-              </a:solidFill>
-            </a:endParaRPr>
           </a:p>
         </p:txBody>
       </p:sp>
@@ -3924,18 +3883,13 @@
           <a:p>
             <a:pPr algn="ctr"/>
             <a:r>
-              <a:rPr lang="en-AU" sz="1400" dirty="0" smtClean="0">
+              <a:rPr lang="en-AU" sz="1400" dirty="0">
                 <a:solidFill>
                   <a:schemeClr val="tx1"/>
                 </a:solidFill>
               </a:rPr>
               <a:t>Gallup, NM</a:t>
             </a:r>
-            <a:endParaRPr lang="en-AU" sz="1400" dirty="0">
-              <a:solidFill>
-                <a:schemeClr val="tx1"/>
-              </a:solidFill>
-            </a:endParaRPr>
           </a:p>
         </p:txBody>
       </p:sp>
@@ -3971,23 +3925,29 @@
       </p:grpSpPr>
       <p:sp>
         <p:nvSpPr>
-          <p:cNvPr id="10" name="Rectangle 9"/>
+          <p:cNvPr id="4" name="Rectangle 3">
+            <a:extLst>
+              <a:ext uri="{FF2B5EF4-FFF2-40B4-BE49-F238E27FC236}">
+                <a16:creationId xmlns:a16="http://schemas.microsoft.com/office/drawing/2014/main" id="{5ABE093C-0A9A-4B01-989C-FF4569FD650B}"/>
+              </a:ext>
+            </a:extLst>
+          </p:cNvPr>
           <p:cNvSpPr/>
           <p:nvPr/>
         </p:nvSpPr>
         <p:spPr>
           <a:xfrm>
-            <a:off x="2799760" y="242255"/>
-            <a:ext cx="4788817" cy="6540330"/>
+            <a:off x="2716567" y="141402"/>
+            <a:ext cx="4971495" cy="6716598"/>
           </a:xfrm>
           <a:prstGeom prst="rect">
             <a:avLst/>
           </a:prstGeom>
-          <a:noFill/>
-          <a:ln w="38100">
-            <a:solidFill>
-              <a:schemeClr val="tx1"/>
-            </a:solidFill>
+          <a:solidFill>
+            <a:schemeClr val="bg1"/>
+          </a:solidFill>
+          <a:ln>
+            <a:noFill/>
           </a:ln>
         </p:spPr>
         <p:style>
@@ -4011,13 +3971,19 @@
           <a:lstStyle/>
           <a:p>
             <a:pPr algn="ctr"/>
-            <a:endParaRPr lang="en-AU"/>
+            <a:endParaRPr lang="en-US"/>
           </a:p>
         </p:txBody>
       </p:sp>
       <p:pic>
         <p:nvPicPr>
-          <p:cNvPr id="9" name="Picture 8"/>
+          <p:cNvPr id="3" name="Picture 2">
+            <a:extLst>
+              <a:ext uri="{FF2B5EF4-FFF2-40B4-BE49-F238E27FC236}">
+                <a16:creationId xmlns:a16="http://schemas.microsoft.com/office/drawing/2014/main" id="{C64027BC-5878-4062-BB55-EA6E0CA5BC99}"/>
+              </a:ext>
+            </a:extLst>
+          </p:cNvPr>
           <p:cNvPicPr>
             <a:picLocks noChangeAspect="1"/>
           </p:cNvPicPr>
@@ -4037,8 +4003,8 @@
         </p:blipFill>
         <p:spPr>
           <a:xfrm>
-            <a:off x="2875175" y="324439"/>
-            <a:ext cx="4515440" cy="3170283"/>
+            <a:off x="2894021" y="3382114"/>
+            <a:ext cx="4572009" cy="3383287"/>
           </a:xfrm>
           <a:prstGeom prst="rect">
             <a:avLst/>
@@ -4047,21 +4013,23 @@
       </p:pic>
       <p:sp>
         <p:nvSpPr>
-          <p:cNvPr id="6" name="Rectangle 5"/>
+          <p:cNvPr id="10" name="Rectangle 9"/>
           <p:cNvSpPr/>
           <p:nvPr/>
         </p:nvSpPr>
         <p:spPr>
           <a:xfrm>
-            <a:off x="2978870" y="141402"/>
-            <a:ext cx="292231" cy="226243"/>
+            <a:off x="2799760" y="242255"/>
+            <a:ext cx="4788817" cy="6540330"/>
           </a:xfrm>
           <a:prstGeom prst="rect">
             <a:avLst/>
           </a:prstGeom>
           <a:noFill/>
-          <a:ln>
-            <a:noFill/>
+          <a:ln w="38100">
+            <a:solidFill>
+              <a:schemeClr val="tx1"/>
+            </a:solidFill>
           </a:ln>
         </p:spPr>
         <p:style>
@@ -4089,38 +4057,9 @@
           </a:p>
         </p:txBody>
       </p:sp>
-      <p:sp>
-        <p:nvSpPr>
-          <p:cNvPr id="7" name="TextBox 6"/>
-          <p:cNvSpPr txBox="1"/>
-          <p:nvPr/>
-        </p:nvSpPr>
-        <p:spPr>
-          <a:xfrm>
-            <a:off x="2903456" y="242255"/>
-            <a:ext cx="367645" cy="369332"/>
-          </a:xfrm>
-          <a:prstGeom prst="rect">
-            <a:avLst/>
-          </a:prstGeom>
-          <a:noFill/>
-        </p:spPr>
-        <p:txBody>
-          <a:bodyPr wrap="square" rtlCol="0">
-            <a:spAutoFit/>
-          </a:bodyPr>
-          <a:lstStyle/>
-          <a:p>
-            <a:r>
-              <a:rPr lang="en-AU" dirty="0" smtClean="0"/>
-              <a:t>a)</a:t>
-            </a:r>
-          </a:p>
-        </p:txBody>
-      </p:sp>
       <p:pic>
         <p:nvPicPr>
-          <p:cNvPr id="5" name="Picture 4"/>
+          <p:cNvPr id="9" name="Picture 8"/>
           <p:cNvPicPr>
             <a:picLocks noChangeAspect="1"/>
           </p:cNvPicPr>
@@ -4140,8 +4079,8 @@
         </p:blipFill>
         <p:spPr>
           <a:xfrm>
-            <a:off x="2875175" y="3351586"/>
-            <a:ext cx="4572009" cy="3383287"/>
+            <a:off x="2875175" y="324439"/>
+            <a:ext cx="4515440" cy="3170283"/>
           </a:xfrm>
           <a:prstGeom prst="rect">
             <a:avLst/>
@@ -4150,19 +4089,63 @@
       </p:pic>
       <p:sp>
         <p:nvSpPr>
-          <p:cNvPr id="8" name="TextBox 7"/>
-          <p:cNvSpPr txBox="1"/>
+          <p:cNvPr id="6" name="Rectangle 5"/>
+          <p:cNvSpPr/>
           <p:nvPr/>
         </p:nvSpPr>
         <p:spPr>
           <a:xfrm>
-            <a:off x="2875175" y="3310056"/>
-            <a:ext cx="424206" cy="369332"/>
+            <a:off x="2978870" y="141402"/>
+            <a:ext cx="292231" cy="226243"/>
           </a:xfrm>
           <a:prstGeom prst="rect">
             <a:avLst/>
           </a:prstGeom>
           <a:noFill/>
+          <a:ln>
+            <a:noFill/>
+          </a:ln>
+        </p:spPr>
+        <p:style>
+          <a:lnRef idx="2">
+            <a:schemeClr val="accent1">
+              <a:shade val="50000"/>
+            </a:schemeClr>
+          </a:lnRef>
+          <a:fillRef idx="1">
+            <a:schemeClr val="accent1"/>
+          </a:fillRef>
+          <a:effectRef idx="0">
+            <a:schemeClr val="accent1"/>
+          </a:effectRef>
+          <a:fontRef idx="minor">
+            <a:schemeClr val="lt1"/>
+          </a:fontRef>
+        </p:style>
+        <p:txBody>
+          <a:bodyPr rtlCol="0" anchor="ctr"/>
+          <a:lstStyle/>
+          <a:p>
+            <a:pPr algn="ctr"/>
+            <a:endParaRPr lang="en-AU"/>
+          </a:p>
+        </p:txBody>
+      </p:sp>
+      <p:sp>
+        <p:nvSpPr>
+          <p:cNvPr id="7" name="TextBox 6"/>
+          <p:cNvSpPr txBox="1"/>
+          <p:nvPr/>
+        </p:nvSpPr>
+        <p:spPr>
+          <a:xfrm>
+            <a:off x="2903456" y="242255"/>
+            <a:ext cx="367645" cy="369332"/>
+          </a:xfrm>
+          <a:prstGeom prst="rect">
+            <a:avLst/>
+          </a:prstGeom>
+          <a:noFill/>
         </p:spPr>
         <p:txBody>
           <a:bodyPr wrap="square" rtlCol="0">
@@ -4172,11 +4155,36 @@
           <a:p>
             <a:r>
               <a:rPr lang="en-AU" dirty="0"/>
-              <a:t>b</a:t>
-            </a:r>
-            <a:r>
-              <a:rPr lang="en-AU" dirty="0" smtClean="0"/>
-              <a:t>)</a:t>
+              <a:t>a)</a:t>
+            </a:r>
+          </a:p>
+        </p:txBody>
+      </p:sp>
+      <p:sp>
+        <p:nvSpPr>
+          <p:cNvPr id="8" name="TextBox 7"/>
+          <p:cNvSpPr txBox="1"/>
+          <p:nvPr/>
+        </p:nvSpPr>
+        <p:spPr>
+          <a:xfrm>
+            <a:off x="2875175" y="3310056"/>
+            <a:ext cx="424206" cy="369332"/>
+          </a:xfrm>
+          <a:prstGeom prst="rect">
+            <a:avLst/>
+          </a:prstGeom>
+          <a:noFill/>
+        </p:spPr>
+        <p:txBody>
+          <a:bodyPr wrap="square" rtlCol="0">
+            <a:spAutoFit/>
+          </a:bodyPr>
+          <a:lstStyle/>
+          <a:p>
+            <a:r>
+              <a:rPr lang="en-AU" dirty="0"/>
+              <a:t>b)</a:t>
             </a:r>
           </a:p>
         </p:txBody>
@@ -4311,10 +4319,9 @@
           <a:p>
             <a:pPr algn="ctr"/>
             <a:r>
-              <a:rPr lang="en-AU" sz="900" dirty="0" smtClean="0"/>
+              <a:rPr lang="en-AU" sz="900" dirty="0"/>
               <a:t>&lt; than expected species richness</a:t>
             </a:r>
-            <a:endParaRPr lang="en-AU" sz="900" dirty="0"/>
           </a:p>
         </p:txBody>
       </p:sp>
@@ -4342,10 +4349,9 @@
           <a:p>
             <a:pPr algn="ctr"/>
             <a:r>
-              <a:rPr lang="en-AU" sz="900" dirty="0" smtClean="0"/>
+              <a:rPr lang="en-AU" sz="900" dirty="0"/>
               <a:t>&gt; than expected species richness</a:t>
             </a:r>
-            <a:endParaRPr lang="en-AU" sz="900" dirty="0"/>
           </a:p>
         </p:txBody>
       </p:sp>
